--- a/nicolas-boeckh@conint.pptx
+++ b/nicolas-boeckh@conint.pptx
@@ -5,7 +5,7 @@
     <p:sldMasterId id="2147483660" r:id="rId1"/>
   </p:sldMasterIdLst>
   <p:notesMasterIdLst>
-    <p:notesMasterId r:id="rId17"/>
+    <p:notesMasterId r:id="rId18"/>
   </p:notesMasterIdLst>
   <p:sldIdLst>
     <p:sldId id="314" r:id="rId2"/>
@@ -21,8 +21,9 @@
     <p:sldId id="326" r:id="rId12"/>
     <p:sldId id="324" r:id="rId13"/>
     <p:sldId id="325" r:id="rId14"/>
-    <p:sldId id="313" r:id="rId15"/>
-    <p:sldId id="306" r:id="rId16"/>
+    <p:sldId id="327" r:id="rId15"/>
+    <p:sldId id="313" r:id="rId16"/>
+    <p:sldId id="306" r:id="rId17"/>
   </p:sldIdLst>
   <p:sldSz cx="12192000" cy="6858000"/>
   <p:notesSz cx="7104063" cy="10234613"/>
@@ -133,12 +134,21 @@
             <p14:sldId id="316"/>
             <p14:sldId id="317"/>
             <p14:sldId id="320"/>
+          </p14:sldIdLst>
+        </p14:section>
+        <p14:section name="Threat Management" id="{9E293139-88B1-4BF9-ACEF-9A3D87DDAB22}">
+          <p14:sldIdLst>
             <p14:sldId id="321"/>
             <p14:sldId id="322"/>
             <p14:sldId id="323"/>
             <p14:sldId id="326"/>
             <p14:sldId id="324"/>
+          </p14:sldIdLst>
+        </p14:section>
+        <p14:section name="Skills &amp; Knowledge in Incident Response" id="{618AF6BF-36F7-41A5-8608-4BAA32B4BCA0}">
+          <p14:sldIdLst>
             <p14:sldId id="325"/>
+            <p14:sldId id="327"/>
           </p14:sldIdLst>
         </p14:section>
         <p14:section name="End" id="{F7B5EC75-85DF-46F7-941B-FFF12A6722D6}">
@@ -4566,7 +4576,7 @@
           <a:p>
             <a:fld id="{393A2D7C-8946-4477-B728-E965586E4053}" type="datetimeFigureOut">
               <a:rPr lang="en-CH" smtClean="0"/>
-              <a:t>21/09/2021</a:t>
+              <a:t>22/09/2021</a:t>
             </a:fld>
             <a:endParaRPr lang="en-CH"/>
           </a:p>
@@ -5332,7 +5342,7 @@
           <a:p>
             <a:fld id="{59241644-66C6-4D91-96DF-61FD632CADD7}" type="slidenum">
               <a:rPr lang="en-CH" smtClean="0"/>
-              <a:t>14</a:t>
+              <a:t>15</a:t>
             </a:fld>
             <a:endParaRPr lang="en-CH"/>
           </a:p>
@@ -5431,7 +5441,7 @@
           <a:p>
             <a:fld id="{59241644-66C6-4D91-96DF-61FD632CADD7}" type="slidenum">
               <a:rPr lang="en-CH" smtClean="0"/>
-              <a:t>15</a:t>
+              <a:t>16</a:t>
             </a:fld>
             <a:endParaRPr lang="en-CH"/>
           </a:p>
@@ -5581,7 +5591,7 @@
           <a:p>
             <a:fld id="{D1C344D4-4086-4D2A-86A2-E238CD64373D}" type="datetimeFigureOut">
               <a:rPr lang="en-CH" smtClean="0"/>
-              <a:t>21/09/2021</a:t>
+              <a:t>22/09/2021</a:t>
             </a:fld>
             <a:endParaRPr lang="en-CH"/>
           </a:p>
@@ -5751,7 +5761,7 @@
           <a:p>
             <a:fld id="{D1C344D4-4086-4D2A-86A2-E238CD64373D}" type="datetimeFigureOut">
               <a:rPr lang="en-CH" smtClean="0"/>
-              <a:t>21/09/2021</a:t>
+              <a:t>22/09/2021</a:t>
             </a:fld>
             <a:endParaRPr lang="en-CH"/>
           </a:p>
@@ -5931,7 +5941,7 @@
           <a:p>
             <a:fld id="{D1C344D4-4086-4D2A-86A2-E238CD64373D}" type="datetimeFigureOut">
               <a:rPr lang="en-CH" smtClean="0"/>
-              <a:t>21/09/2021</a:t>
+              <a:t>22/09/2021</a:t>
             </a:fld>
             <a:endParaRPr lang="en-CH"/>
           </a:p>
@@ -6101,7 +6111,7 @@
           <a:p>
             <a:fld id="{D1C344D4-4086-4D2A-86A2-E238CD64373D}" type="datetimeFigureOut">
               <a:rPr lang="en-CH" smtClean="0"/>
-              <a:t>21/09/2021</a:t>
+              <a:t>22/09/2021</a:t>
             </a:fld>
             <a:endParaRPr lang="en-CH"/>
           </a:p>
@@ -6347,7 +6357,7 @@
           <a:p>
             <a:fld id="{D1C344D4-4086-4D2A-86A2-E238CD64373D}" type="datetimeFigureOut">
               <a:rPr lang="en-CH" smtClean="0"/>
-              <a:t>21/09/2021</a:t>
+              <a:t>22/09/2021</a:t>
             </a:fld>
             <a:endParaRPr lang="en-CH"/>
           </a:p>
@@ -6579,7 +6589,7 @@
           <a:p>
             <a:fld id="{D1C344D4-4086-4D2A-86A2-E238CD64373D}" type="datetimeFigureOut">
               <a:rPr lang="en-CH" smtClean="0"/>
-              <a:t>21/09/2021</a:t>
+              <a:t>22/09/2021</a:t>
             </a:fld>
             <a:endParaRPr lang="en-CH"/>
           </a:p>
@@ -6946,7 +6956,7 @@
           <a:p>
             <a:fld id="{D1C344D4-4086-4D2A-86A2-E238CD64373D}" type="datetimeFigureOut">
               <a:rPr lang="en-CH" smtClean="0"/>
-              <a:t>21/09/2021</a:t>
+              <a:t>22/09/2021</a:t>
             </a:fld>
             <a:endParaRPr lang="en-CH"/>
           </a:p>
@@ -7064,7 +7074,7 @@
           <a:p>
             <a:fld id="{D1C344D4-4086-4D2A-86A2-E238CD64373D}" type="datetimeFigureOut">
               <a:rPr lang="en-CH" smtClean="0"/>
-              <a:t>21/09/2021</a:t>
+              <a:t>22/09/2021</a:t>
             </a:fld>
             <a:endParaRPr lang="en-CH"/>
           </a:p>
@@ -7159,7 +7169,7 @@
           <a:p>
             <a:fld id="{D1C344D4-4086-4D2A-86A2-E238CD64373D}" type="datetimeFigureOut">
               <a:rPr lang="en-CH" smtClean="0"/>
-              <a:t>21/09/2021</a:t>
+              <a:t>22/09/2021</a:t>
             </a:fld>
             <a:endParaRPr lang="en-CH"/>
           </a:p>
@@ -7436,7 +7446,7 @@
           <a:p>
             <a:fld id="{D1C344D4-4086-4D2A-86A2-E238CD64373D}" type="datetimeFigureOut">
               <a:rPr lang="en-CH" smtClean="0"/>
-              <a:t>21/09/2021</a:t>
+              <a:t>22/09/2021</a:t>
             </a:fld>
             <a:endParaRPr lang="en-CH"/>
           </a:p>
@@ -7693,7 +7703,7 @@
           <a:p>
             <a:fld id="{D1C344D4-4086-4D2A-86A2-E238CD64373D}" type="datetimeFigureOut">
               <a:rPr lang="en-CH" smtClean="0"/>
-              <a:t>21/09/2021</a:t>
+              <a:t>22/09/2021</a:t>
             </a:fld>
             <a:endParaRPr lang="en-CH"/>
           </a:p>
@@ -7906,7 +7916,7 @@
           <a:p>
             <a:fld id="{D1C344D4-4086-4D2A-86A2-E238CD64373D}" type="datetimeFigureOut">
               <a:rPr lang="en-CH" smtClean="0"/>
-              <a:t>21/09/2021</a:t>
+              <a:t>22/09/2021</a:t>
             </a:fld>
             <a:endParaRPr lang="en-CH"/>
           </a:p>
@@ -8650,19 +8660,21 @@
       </p:sp>
       <p:pic>
         <p:nvPicPr>
-          <p:cNvPr id="11" name="Picture 10" descr="Diagram&#10;&#10;Description automatically generated with medium confidence">
+          <p:cNvPr id="7" name="Content Placeholder 4">
             <a:extLst>
               <a:ext uri="{FF2B5EF4-FFF2-40B4-BE49-F238E27FC236}">
-                <a16:creationId xmlns:a16="http://schemas.microsoft.com/office/drawing/2014/main" id="{FCF1E80A-934F-4364-B3E5-F25496C5F3B5}"/>
+                <a16:creationId xmlns:a16="http://schemas.microsoft.com/office/drawing/2014/main" id="{623CE478-4B74-41E9-B7C5-EF91A00ED6AA}"/>
               </a:ext>
             </a:extLst>
           </p:cNvPr>
           <p:cNvPicPr>
-            <a:picLocks noChangeAspect="1"/>
+            <a:picLocks noGrp="1" noChangeAspect="1"/>
           </p:cNvPicPr>
-          <p:nvPr/>
+          <p:nvPr>
+            <p:ph idx="1"/>
+          </p:nvPr>
         </p:nvPicPr>
-        <p:blipFill>
+        <p:blipFill rotWithShape="1">
           <a:blip r:embed="rId4">
             <a:extLst>
               <a:ext uri="{28A0092B-C50C-407E-A947-70E740481C1C}">
@@ -8670,18 +8682,14 @@
               </a:ext>
             </a:extLst>
           </a:blip>
-          <a:stretch>
-            <a:fillRect/>
-          </a:stretch>
+          <a:srcRect l="6964" t="13484" r="6316" b="12102"/>
+          <a:stretch/>
         </p:blipFill>
         <p:spPr>
           <a:xfrm>
-            <a:off x="2936240" y="1833495"/>
-            <a:ext cx="9255760" cy="4673650"/>
+            <a:off x="565947" y="1551186"/>
+            <a:ext cx="10723374" cy="4646414"/>
           </a:xfrm>
-          <a:prstGeom prst="rect">
-            <a:avLst/>
-          </a:prstGeom>
         </p:spPr>
       </p:pic>
     </p:spTree>
@@ -8745,10 +8753,10 @@
       </p:sp>
       <p:sp>
         <p:nvSpPr>
-          <p:cNvPr id="3" name="Content Placeholder 2">
+          <p:cNvPr id="10" name="Content Placeholder 9">
             <a:extLst>
               <a:ext uri="{FF2B5EF4-FFF2-40B4-BE49-F238E27FC236}">
-                <a16:creationId xmlns:a16="http://schemas.microsoft.com/office/drawing/2014/main" id="{C1BD2974-B19E-468D-886E-07048F49C126}"/>
+                <a16:creationId xmlns:a16="http://schemas.microsoft.com/office/drawing/2014/main" id="{E23E90B0-AC91-4A55-83AF-1D2097B59ED9}"/>
               </a:ext>
             </a:extLst>
           </p:cNvPr>
@@ -8764,10 +8772,57 @@
           <a:bodyPr/>
           <a:lstStyle/>
           <a:p>
-            <a:endParaRPr lang="en-CH" dirty="0"/>
+            <a:r>
+              <a:rPr lang="en-US" dirty="0"/>
+              <a:t>Warn</a:t>
+            </a:r>
+          </a:p>
+          <a:p>
+            <a:r>
+              <a:rPr lang="en-US" dirty="0"/>
+              <a:t>Bans</a:t>
+            </a:r>
           </a:p>
         </p:txBody>
       </p:sp>
+      <p:pic>
+        <p:nvPicPr>
+          <p:cNvPr id="11" name="mp4">
+            <a:hlinkClick r:id="" action="ppaction://media"/>
+            <a:extLst>
+              <a:ext uri="{FF2B5EF4-FFF2-40B4-BE49-F238E27FC236}">
+                <a16:creationId xmlns:a16="http://schemas.microsoft.com/office/drawing/2014/main" id="{CB1E7EFD-3819-4B45-A542-D7969825AAB4}"/>
+              </a:ext>
+            </a:extLst>
+          </p:cNvPr>
+          <p:cNvPicPr>
+            <a:picLocks noChangeAspect="1"/>
+          </p:cNvPicPr>
+          <p:nvPr>
+            <a:videoFile r:link="rId2"/>
+            <p:extLst>
+              <p:ext uri="{DAA4B4D4-6D71-4841-9C94-3DE7FCFB9230}">
+                <p14:media xmlns:p14="http://schemas.microsoft.com/office/powerpoint/2010/main" r:embed="rId1"/>
+              </p:ext>
+            </p:extLst>
+          </p:nvPr>
+        </p:nvPicPr>
+        <p:blipFill>
+          <a:blip r:embed="rId5"/>
+          <a:stretch>
+            <a:fillRect/>
+          </a:stretch>
+        </p:blipFill>
+        <p:spPr>
+          <a:xfrm>
+            <a:off x="4217057" y="1489294"/>
+            <a:ext cx="7735888" cy="4351338"/>
+          </a:xfrm>
+          <a:prstGeom prst="rect">
+            <a:avLst/>
+          </a:prstGeom>
+        </p:spPr>
+      </p:pic>
     </p:spTree>
     <p:extLst>
       <p:ext uri="{BB962C8B-B14F-4D97-AF65-F5344CB8AC3E}">
@@ -8778,10 +8833,440 @@
   <p:clrMapOvr>
     <a:masterClrMapping/>
   </p:clrMapOvr>
+  <p:timing>
+    <p:tnLst>
+      <p:par>
+        <p:cTn id="1" dur="indefinite" restart="never" nodeType="tmRoot">
+          <p:childTnLst>
+            <p:seq concurrent="1" nextAc="seek">
+              <p:cTn id="2" dur="indefinite" nodeType="mainSeq">
+                <p:childTnLst>
+                  <p:par>
+                    <p:cTn id="3" fill="hold">
+                      <p:stCondLst>
+                        <p:cond delay="indefinite"/>
+                      </p:stCondLst>
+                      <p:childTnLst>
+                        <p:par>
+                          <p:cTn id="4" fill="hold">
+                            <p:stCondLst>
+                              <p:cond delay="0"/>
+                            </p:stCondLst>
+                            <p:childTnLst>
+                              <p:par>
+                                <p:cTn id="5" presetID="1" presetClass="mediacall" presetSubtype="0" fill="hold" nodeType="clickEffect">
+                                  <p:stCondLst>
+                                    <p:cond delay="0"/>
+                                  </p:stCondLst>
+                                  <p:childTnLst>
+                                    <p:cmd type="call" cmd="playFrom(0.0)">
+                                      <p:cBhvr>
+                                        <p:cTn id="6" dur="2000" fill="hold"/>
+                                        <p:tgtEl>
+                                          <p:spTgt spid="11"/>
+                                        </p:tgtEl>
+                                      </p:cBhvr>
+                                    </p:cmd>
+                                  </p:childTnLst>
+                                </p:cTn>
+                              </p:par>
+                            </p:childTnLst>
+                          </p:cTn>
+                        </p:par>
+                      </p:childTnLst>
+                    </p:cTn>
+                  </p:par>
+                </p:childTnLst>
+              </p:cTn>
+              <p:prevCondLst>
+                <p:cond evt="onPrev" delay="0">
+                  <p:tgtEl>
+                    <p:sldTgt/>
+                  </p:tgtEl>
+                </p:cond>
+              </p:prevCondLst>
+              <p:nextCondLst>
+                <p:cond evt="onNext" delay="0">
+                  <p:tgtEl>
+                    <p:sldTgt/>
+                  </p:tgtEl>
+                </p:cond>
+              </p:nextCondLst>
+            </p:seq>
+            <p:seq concurrent="1" nextAc="seek">
+              <p:cTn id="7" restart="whenNotActive" fill="hold" evtFilter="cancelBubble" nodeType="interactiveSeq">
+                <p:stCondLst>
+                  <p:cond evt="onClick" delay="0">
+                    <p:tgtEl>
+                      <p:spTgt spid="11"/>
+                    </p:tgtEl>
+                  </p:cond>
+                </p:stCondLst>
+                <p:endSync evt="end" delay="0">
+                  <p:rtn val="all"/>
+                </p:endSync>
+                <p:childTnLst>
+                  <p:par>
+                    <p:cTn id="8" fill="hold">
+                      <p:stCondLst>
+                        <p:cond delay="0"/>
+                      </p:stCondLst>
+                      <p:childTnLst>
+                        <p:par>
+                          <p:cTn id="9" fill="hold">
+                            <p:stCondLst>
+                              <p:cond delay="0"/>
+                            </p:stCondLst>
+                            <p:childTnLst>
+                              <p:par>
+                                <p:cTn id="10" presetID="2" presetClass="mediacall" presetSubtype="0" fill="hold" nodeType="clickEffect">
+                                  <p:stCondLst>
+                                    <p:cond delay="0"/>
+                                  </p:stCondLst>
+                                  <p:childTnLst>
+                                    <p:cmd type="call" cmd="togglePause">
+                                      <p:cBhvr>
+                                        <p:cTn id="11" dur="1" fill="hold"/>
+                                        <p:tgtEl>
+                                          <p:spTgt spid="11"/>
+                                        </p:tgtEl>
+                                      </p:cBhvr>
+                                    </p:cmd>
+                                  </p:childTnLst>
+                                </p:cTn>
+                              </p:par>
+                            </p:childTnLst>
+                          </p:cTn>
+                        </p:par>
+                      </p:childTnLst>
+                    </p:cTn>
+                  </p:par>
+                </p:childTnLst>
+              </p:cTn>
+              <p:nextCondLst>
+                <p:cond evt="onClick" delay="0">
+                  <p:tgtEl>
+                    <p:spTgt spid="11"/>
+                  </p:tgtEl>
+                </p:cond>
+              </p:nextCondLst>
+            </p:seq>
+            <p:video>
+              <p:cMediaNode vol="80000">
+                <p:cTn id="12" fill="hold" display="0">
+                  <p:stCondLst>
+                    <p:cond delay="indefinite"/>
+                  </p:stCondLst>
+                </p:cTn>
+                <p:tgtEl>
+                  <p:spTgt spid="11"/>
+                </p:tgtEl>
+              </p:cMediaNode>
+            </p:video>
+          </p:childTnLst>
+        </p:cTn>
+      </p:par>
+    </p:tnLst>
+  </p:timing>
 </p:sld>
 </file>
 
 <file path=ppt/slides/slide13.xml><?xml version="1.0" encoding="utf-8"?>
+<p:sld xmlns:a="http://schemas.openxmlformats.org/drawingml/2006/main" xmlns:r="http://schemas.openxmlformats.org/officeDocument/2006/relationships" xmlns:p="http://schemas.openxmlformats.org/presentationml/2006/main">
+  <p:cSld>
+    <p:bg>
+      <p:bgPr>
+        <a:solidFill>
+          <a:schemeClr val="bg1">
+            <a:tint val="95000"/>
+            <a:satMod val="170000"/>
+          </a:schemeClr>
+        </a:solidFill>
+        <a:effectLst/>
+      </p:bgPr>
+    </p:bg>
+    <p:spTree>
+      <p:nvGrpSpPr>
+        <p:cNvPr id="1" name=""/>
+        <p:cNvGrpSpPr/>
+        <p:nvPr/>
+      </p:nvGrpSpPr>
+      <p:grpSpPr>
+        <a:xfrm>
+          <a:off x="0" y="0"/>
+          <a:ext cx="0" cy="0"/>
+          <a:chOff x="0" y="0"/>
+          <a:chExt cx="0" cy="0"/>
+        </a:xfrm>
+      </p:grpSpPr>
+      <p:sp>
+        <p:nvSpPr>
+          <p:cNvPr id="2" name="Title 1">
+            <a:extLst>
+              <a:ext uri="{FF2B5EF4-FFF2-40B4-BE49-F238E27FC236}">
+                <a16:creationId xmlns:a16="http://schemas.microsoft.com/office/drawing/2014/main" id="{0A51891C-BA53-498A-BB24-732DEF189114}"/>
+              </a:ext>
+            </a:extLst>
+          </p:cNvPr>
+          <p:cNvSpPr>
+            <a:spLocks noGrp="1"/>
+          </p:cNvSpPr>
+          <p:nvPr>
+            <p:ph type="title"/>
+          </p:nvPr>
+        </p:nvSpPr>
+        <p:spPr>
+          <a:xfrm>
+            <a:off x="7464614" y="1783959"/>
+            <a:ext cx="4087306" cy="2889114"/>
+          </a:xfrm>
+        </p:spPr>
+        <p:txBody>
+          <a:bodyPr vert="horz" lIns="91440" tIns="45720" rIns="91440" bIns="45720" rtlCol="0" anchor="b">
+            <a:normAutofit fontScale="90000"/>
+          </a:bodyPr>
+          <a:lstStyle/>
+          <a:p>
+            <a:r>
+              <a:rPr lang="en-US" sz="5400" dirty="0"/>
+              <a:t>Skills &amp; Knowledge in Incident Response</a:t>
+            </a:r>
+          </a:p>
+        </p:txBody>
+      </p:sp>
+      <p:sp>
+        <p:nvSpPr>
+          <p:cNvPr id="71" name="Freeform: Shape 70">
+            <a:extLst>
+              <a:ext uri="{FF2B5EF4-FFF2-40B4-BE49-F238E27FC236}">
+                <a16:creationId xmlns:a16="http://schemas.microsoft.com/office/drawing/2014/main" id="{E49CC64F-7275-4E33-961B-0C5CDC439875}"/>
+              </a:ext>
+              <a:ext uri="{C183D7F6-B498-43B3-948B-1728B52AA6E4}">
+                <adec:decorative xmlns:adec="http://schemas.microsoft.com/office/drawing/2017/decorative" val="1"/>
+              </a:ext>
+            </a:extLst>
+          </p:cNvPr>
+          <p:cNvSpPr>
+            <a:spLocks noGrp="1" noRot="1" noChangeAspect="1" noMove="1" noResize="1" noEditPoints="1" noAdjustHandles="1" noChangeArrowheads="1" noChangeShapeType="1" noTextEdit="1"/>
+          </p:cNvSpPr>
+          <p:nvPr>
+            <p:extLst>
+              <p:ext uri="{386F3935-93C4-4BCD-93E2-E3B085C9AB24}">
+                <p16:designElem xmlns:p16="http://schemas.microsoft.com/office/powerpoint/2015/main" val="1"/>
+              </p:ext>
+            </p:extLst>
+          </p:nvPr>
+        </p:nvSpPr>
+        <p:spPr>
+          <a:xfrm flipH="1" flipV="1">
+            <a:off x="1" y="0"/>
+            <a:ext cx="7188051" cy="6858000"/>
+          </a:xfrm>
+          <a:custGeom>
+            <a:avLst/>
+            <a:gdLst>
+              <a:gd name="connsiteX0" fmla="*/ 7188051 w 7188051"/>
+              <a:gd name="connsiteY0" fmla="*/ 6858000 h 6858000"/>
+              <a:gd name="connsiteX1" fmla="*/ 108694 w 7188051"/>
+              <a:gd name="connsiteY1" fmla="*/ 6858000 h 6858000"/>
+              <a:gd name="connsiteX2" fmla="*/ 79127 w 7188051"/>
+              <a:gd name="connsiteY2" fmla="*/ 6681235 h 6858000"/>
+              <a:gd name="connsiteX3" fmla="*/ 0 w 7188051"/>
+              <a:gd name="connsiteY3" fmla="*/ 5565888 h 6858000"/>
+              <a:gd name="connsiteX4" fmla="*/ 2190696 w 7188051"/>
+              <a:gd name="connsiteY4" fmla="*/ 145339 h 6858000"/>
+              <a:gd name="connsiteX5" fmla="*/ 2339431 w 7188051"/>
+              <a:gd name="connsiteY5" fmla="*/ 0 h 6858000"/>
+              <a:gd name="connsiteX6" fmla="*/ 7188051 w 7188051"/>
+              <a:gd name="connsiteY6" fmla="*/ 0 h 6858000"/>
+            </a:gdLst>
+            <a:ahLst/>
+            <a:cxnLst>
+              <a:cxn ang="0">
+                <a:pos x="connsiteX0" y="connsiteY0"/>
+              </a:cxn>
+              <a:cxn ang="0">
+                <a:pos x="connsiteX1" y="connsiteY1"/>
+              </a:cxn>
+              <a:cxn ang="0">
+                <a:pos x="connsiteX2" y="connsiteY2"/>
+              </a:cxn>
+              <a:cxn ang="0">
+                <a:pos x="connsiteX3" y="connsiteY3"/>
+              </a:cxn>
+              <a:cxn ang="0">
+                <a:pos x="connsiteX4" y="connsiteY4"/>
+              </a:cxn>
+              <a:cxn ang="0">
+                <a:pos x="connsiteX5" y="connsiteY5"/>
+              </a:cxn>
+              <a:cxn ang="0">
+                <a:pos x="connsiteX6" y="connsiteY6"/>
+              </a:cxn>
+            </a:cxnLst>
+            <a:rect l="l" t="t" r="r" b="b"/>
+            <a:pathLst>
+              <a:path w="7188051" h="6858000">
+                <a:moveTo>
+                  <a:pt x="7188051" y="6858000"/>
+                </a:moveTo>
+                <a:lnTo>
+                  <a:pt x="108694" y="6858000"/>
+                </a:lnTo>
+                <a:lnTo>
+                  <a:pt x="79127" y="6681235"/>
+                </a:lnTo>
+                <a:cubicBezTo>
+                  <a:pt x="26981" y="6316967"/>
+                  <a:pt x="0" y="5944579"/>
+                  <a:pt x="0" y="5565888"/>
+                </a:cubicBezTo>
+                <a:cubicBezTo>
+                  <a:pt x="0" y="3459953"/>
+                  <a:pt x="834428" y="1548908"/>
+                  <a:pt x="2190696" y="145339"/>
+                </a:cubicBezTo>
+                <a:lnTo>
+                  <a:pt x="2339431" y="0"/>
+                </a:lnTo>
+                <a:lnTo>
+                  <a:pt x="7188051" y="0"/>
+                </a:lnTo>
+                <a:close/>
+              </a:path>
+            </a:pathLst>
+          </a:custGeom>
+          <a:solidFill>
+            <a:schemeClr val="tx1">
+              <a:alpha val="80000"/>
+            </a:schemeClr>
+          </a:solidFill>
+          <a:ln>
+            <a:noFill/>
+          </a:ln>
+        </p:spPr>
+        <p:style>
+          <a:lnRef idx="2">
+            <a:schemeClr val="accent1">
+              <a:shade val="50000"/>
+            </a:schemeClr>
+          </a:lnRef>
+          <a:fillRef idx="1">
+            <a:schemeClr val="accent1"/>
+          </a:fillRef>
+          <a:effectRef idx="0">
+            <a:schemeClr val="accent1"/>
+          </a:effectRef>
+          <a:fontRef idx="minor">
+            <a:schemeClr val="lt1"/>
+          </a:fontRef>
+        </p:style>
+        <p:txBody>
+          <a:bodyPr wrap="square" rtlCol="0" anchor="ctr">
+            <a:noAutofit/>
+          </a:bodyPr>
+          <a:lstStyle/>
+          <a:p>
+            <a:pPr algn="ctr"/>
+            <a:endParaRPr lang="en-US"/>
+          </a:p>
+        </p:txBody>
+      </p:sp>
+      <p:pic>
+        <p:nvPicPr>
+          <p:cNvPr id="1026" name="Picture 2" descr="The Best Linux Blog In the Unixverse on Twitter: &amp;quot;In case of cyber attack  lol… &amp;quot;">
+            <a:extLst>
+              <a:ext uri="{FF2B5EF4-FFF2-40B4-BE49-F238E27FC236}">
+                <a16:creationId xmlns:a16="http://schemas.microsoft.com/office/drawing/2014/main" id="{06874485-F978-4590-B02E-95C481CACA74}"/>
+              </a:ext>
+            </a:extLst>
+          </p:cNvPr>
+          <p:cNvPicPr>
+            <a:picLocks noGrp="1" noChangeAspect="1" noChangeArrowheads="1"/>
+          </p:cNvPicPr>
+          <p:nvPr>
+            <p:ph idx="1"/>
+          </p:nvPr>
+        </p:nvPicPr>
+        <p:blipFill rotWithShape="1">
+          <a:blip r:embed="rId2">
+            <a:extLst>
+              <a:ext uri="{28A0092B-C50C-407E-A947-70E740481C1C}">
+                <a14:useLocalDpi xmlns:a14="http://schemas.microsoft.com/office/drawing/2010/main" val="0"/>
+              </a:ext>
+            </a:extLst>
+          </a:blip>
+          <a:srcRect r="-1" b="1934"/>
+          <a:stretch/>
+        </p:blipFill>
+        <p:spPr bwMode="auto">
+          <a:xfrm>
+            <a:off x="1" y="10"/>
+            <a:ext cx="7028495" cy="6857990"/>
+          </a:xfrm>
+          <a:custGeom>
+            <a:avLst/>
+            <a:gdLst/>
+            <a:ahLst/>
+            <a:cxnLst/>
+            <a:rect l="l" t="t" r="r" b="b"/>
+            <a:pathLst>
+              <a:path w="7028495" h="6858000">
+                <a:moveTo>
+                  <a:pt x="0" y="0"/>
+                </a:moveTo>
+                <a:lnTo>
+                  <a:pt x="6915668" y="0"/>
+                </a:lnTo>
+                <a:lnTo>
+                  <a:pt x="6952411" y="219663"/>
+                </a:lnTo>
+                <a:cubicBezTo>
+                  <a:pt x="7002551" y="569921"/>
+                  <a:pt x="7028495" y="927986"/>
+                  <a:pt x="7028495" y="1292112"/>
+                </a:cubicBezTo>
+                <a:cubicBezTo>
+                  <a:pt x="7028495" y="3343346"/>
+                  <a:pt x="6205186" y="5202289"/>
+                  <a:pt x="4870994" y="6556512"/>
+                </a:cubicBezTo>
+                <a:lnTo>
+                  <a:pt x="4556185" y="6858000"/>
+                </a:lnTo>
+                <a:lnTo>
+                  <a:pt x="0" y="6858000"/>
+                </a:lnTo>
+                <a:close/>
+              </a:path>
+            </a:pathLst>
+          </a:custGeom>
+          <a:noFill/>
+          <a:extLst>
+            <a:ext uri="{909E8E84-426E-40DD-AFC4-6F175D3DCCD1}">
+              <a14:hiddenFill xmlns:a14="http://schemas.microsoft.com/office/drawing/2010/main">
+                <a:solidFill>
+                  <a:srgbClr val="FFFFFF"/>
+                </a:solidFill>
+              </a14:hiddenFill>
+            </a:ext>
+          </a:extLst>
+        </p:spPr>
+      </p:pic>
+    </p:spTree>
+    <p:extLst>
+      <p:ext uri="{BB962C8B-B14F-4D97-AF65-F5344CB8AC3E}">
+        <p14:creationId xmlns:p14="http://schemas.microsoft.com/office/powerpoint/2010/main" val="2539519854"/>
+      </p:ext>
+    </p:extLst>
+  </p:cSld>
+  <p:clrMapOvr>
+    <a:masterClrMapping/>
+  </p:clrMapOvr>
+</p:sld>
+</file>
+
+<file path=ppt/slides/slide14.xml><?xml version="1.0" encoding="utf-8"?>
 <p:sld xmlns:a="http://schemas.openxmlformats.org/drawingml/2006/main" xmlns:r="http://schemas.openxmlformats.org/officeDocument/2006/relationships" xmlns:p="http://schemas.openxmlformats.org/presentationml/2006/main">
   <p:cSld>
     <p:spTree>
@@ -8855,7 +9340,7 @@
     </p:spTree>
     <p:extLst>
       <p:ext uri="{BB962C8B-B14F-4D97-AF65-F5344CB8AC3E}">
-        <p14:creationId xmlns:p14="http://schemas.microsoft.com/office/powerpoint/2010/main" val="2539519854"/>
+        <p14:creationId xmlns:p14="http://schemas.microsoft.com/office/powerpoint/2010/main" val="2860421894"/>
       </p:ext>
     </p:extLst>
   </p:cSld>
@@ -8865,7 +9350,7 @@
 </p:sld>
 </file>
 
-<file path=ppt/slides/slide14.xml><?xml version="1.0" encoding="utf-8"?>
+<file path=ppt/slides/slide15.xml><?xml version="1.0" encoding="utf-8"?>
 <p:sld xmlns:a="http://schemas.openxmlformats.org/drawingml/2006/main" xmlns:r="http://schemas.openxmlformats.org/officeDocument/2006/relationships" xmlns:p="http://schemas.openxmlformats.org/presentationml/2006/main">
   <p:cSld>
     <p:spTree>
@@ -9381,7 +9866,7 @@
 </p:sld>
 </file>
 
-<file path=ppt/slides/slide15.xml><?xml version="1.0" encoding="utf-8"?>
+<file path=ppt/slides/slide16.xml><?xml version="1.0" encoding="utf-8"?>
 <p:sld xmlns:a="http://schemas.openxmlformats.org/drawingml/2006/main" xmlns:r="http://schemas.openxmlformats.org/officeDocument/2006/relationships" xmlns:p="http://schemas.openxmlformats.org/presentationml/2006/main">
   <p:cSld>
     <p:spTree>
